--- a/presentations/Presentation 6 - Tuberculosis Descriptive Analysis.pptx
+++ b/presentations/Presentation 6 - Tuberculosis Descriptive Analysis.pptx
@@ -232,7 +232,7 @@
           <a:p>
             <a:fld id="{0C14B7D8-95A2-46AE-8D9E-7067CF1FF132}" type="datetimeFigureOut">
               <a:rPr lang="es-419" smtClean="0"/>
-              <a:t>10/8/2020</a:t>
+              <a:t>12/8/2020</a:t>
             </a:fld>
             <a:endParaRPr lang="es-419"/>
           </a:p>
@@ -649,7 +649,7 @@
           <a:p>
             <a:fld id="{183ECD46-E509-4A9C-8749-20496545864B}" type="datetime1">
               <a:rPr lang="es-419" smtClean="0"/>
-              <a:t>10/8/2020</a:t>
+              <a:t>12/8/2020</a:t>
             </a:fld>
             <a:endParaRPr lang="es-419"/>
           </a:p>
@@ -849,7 +849,7 @@
           <a:p>
             <a:fld id="{A918D3D2-A392-470C-8D07-E165B3B714B9}" type="datetime1">
               <a:rPr lang="es-419" smtClean="0"/>
-              <a:t>10/8/2020</a:t>
+              <a:t>12/8/2020</a:t>
             </a:fld>
             <a:endParaRPr lang="es-419"/>
           </a:p>
@@ -1059,7 +1059,7 @@
           <a:p>
             <a:fld id="{A0B51020-2940-4E48-99D9-7A9FB6169AE8}" type="datetime1">
               <a:rPr lang="es-419" smtClean="0"/>
-              <a:t>10/8/2020</a:t>
+              <a:t>12/8/2020</a:t>
             </a:fld>
             <a:endParaRPr lang="es-419"/>
           </a:p>
@@ -1259,7 +1259,7 @@
           <a:p>
             <a:fld id="{5BB286BA-54C4-4D4A-92E9-F2326B4CA723}" type="datetime1">
               <a:rPr lang="es-419" smtClean="0"/>
-              <a:t>10/8/2020</a:t>
+              <a:t>12/8/2020</a:t>
             </a:fld>
             <a:endParaRPr lang="es-419"/>
           </a:p>
@@ -1535,7 +1535,7 @@
           <a:p>
             <a:fld id="{0E999169-D5D4-4C7F-A282-27C9D1D573E4}" type="datetime1">
               <a:rPr lang="es-419" smtClean="0"/>
-              <a:t>10/8/2020</a:t>
+              <a:t>12/8/2020</a:t>
             </a:fld>
             <a:endParaRPr lang="es-419"/>
           </a:p>
@@ -1803,7 +1803,7 @@
           <a:p>
             <a:fld id="{2F1FF1C2-91D8-4BE9-9B51-97E2BAA4885C}" type="datetime1">
               <a:rPr lang="es-419" smtClean="0"/>
-              <a:t>10/8/2020</a:t>
+              <a:t>12/8/2020</a:t>
             </a:fld>
             <a:endParaRPr lang="es-419"/>
           </a:p>
@@ -2218,7 +2218,7 @@
           <a:p>
             <a:fld id="{5786CC64-991A-4B69-8ED1-8CF4D9388DC4}" type="datetime1">
               <a:rPr lang="es-419" smtClean="0"/>
-              <a:t>10/8/2020</a:t>
+              <a:t>12/8/2020</a:t>
             </a:fld>
             <a:endParaRPr lang="es-419"/>
           </a:p>
@@ -2360,7 +2360,7 @@
           <a:p>
             <a:fld id="{8EB2F1D7-2247-429C-935C-0CD8BFF3D7A1}" type="datetime1">
               <a:rPr lang="es-419" smtClean="0"/>
-              <a:t>10/8/2020</a:t>
+              <a:t>12/8/2020</a:t>
             </a:fld>
             <a:endParaRPr lang="es-419"/>
           </a:p>
@@ -2473,7 +2473,7 @@
           <a:p>
             <a:fld id="{6C255DD6-A954-4FC0-8790-03EAA2DD04A1}" type="datetime1">
               <a:rPr lang="es-419" smtClean="0"/>
-              <a:t>10/8/2020</a:t>
+              <a:t>12/8/2020</a:t>
             </a:fld>
             <a:endParaRPr lang="es-419"/>
           </a:p>
@@ -2786,7 +2786,7 @@
           <a:p>
             <a:fld id="{ADE05553-2FC6-49D5-B393-DFA9AFC9AF61}" type="datetime1">
               <a:rPr lang="es-419" smtClean="0"/>
-              <a:t>10/8/2020</a:t>
+              <a:t>12/8/2020</a:t>
             </a:fld>
             <a:endParaRPr lang="es-419"/>
           </a:p>
@@ -3075,7 +3075,7 @@
           <a:p>
             <a:fld id="{59D39599-1EA0-4129-B272-5A81557995E2}" type="datetime1">
               <a:rPr lang="es-419" smtClean="0"/>
-              <a:t>10/8/2020</a:t>
+              <a:t>12/8/2020</a:t>
             </a:fld>
             <a:endParaRPr lang="es-419"/>
           </a:p>
@@ -3318,7 +3318,7 @@
           <a:p>
             <a:fld id="{665D4592-E502-425E-9C15-0CDF1F52A245}" type="datetime1">
               <a:rPr lang="es-419" smtClean="0"/>
-              <a:t>10/8/2020</a:t>
+              <a:t>12/8/2020</a:t>
             </a:fld>
             <a:endParaRPr lang="es-419"/>
           </a:p>
@@ -4040,7 +4040,7 @@
               <a:rPr lang="en-US" sz="2600" dirty="0">
                 <a:latin typeface="+mj-lt"/>
               </a:rPr>
-              <a:t>Year 2020:</a:t>
+              <a:t>Year 2020 – 8 weeks:</a:t>
             </a:r>
           </a:p>
           <a:p>
@@ -4088,7 +4088,7 @@
               <a:rPr lang="en-US" sz="2000" dirty="0">
                 <a:latin typeface="+mj-lt"/>
               </a:rPr>
-              <a:t>TOTAL 2018: 2056 cases</a:t>
+              <a:t>TOTAL: 2056 cases</a:t>
             </a:r>
           </a:p>
           <a:p>
@@ -4106,7 +4106,7 @@
               <a:rPr lang="en-US" sz="2600" dirty="0">
                 <a:latin typeface="+mj-lt"/>
               </a:rPr>
-              <a:t>Year 2019:</a:t>
+              <a:t>Year 2019 – 52 weeks:</a:t>
             </a:r>
           </a:p>
           <a:p>
@@ -4154,7 +4154,7 @@
               <a:rPr lang="en-US" sz="2000" dirty="0">
                 <a:latin typeface="+mj-lt"/>
               </a:rPr>
-              <a:t>TOTAL 2018: 14788 cases</a:t>
+              <a:t>TOTAL: 14788 cases</a:t>
             </a:r>
           </a:p>
           <a:p>
@@ -4319,7 +4319,7 @@
               <a:rPr lang="en-US" sz="2600" dirty="0">
                 <a:latin typeface="+mj-lt"/>
               </a:rPr>
-              <a:t>Year 2018:</a:t>
+              <a:t>Year 2018 – 52 weeks:</a:t>
             </a:r>
           </a:p>
           <a:p>
@@ -4397,11 +4397,14 @@
           </a:p>
           <a:p>
             <a:r>
-              <a:rPr lang="en-US" sz="2600" dirty="0">
+              <a:rPr lang="en-US" sz="2600">
                 <a:latin typeface="+mj-lt"/>
               </a:rPr>
-              <a:t>Year 2017:</a:t>
-            </a:r>
+              <a:t>Year 2017 – 52 weeks:</a:t>
+            </a:r>
+            <a:endParaRPr lang="en-US" sz="2600" dirty="0">
+              <a:latin typeface="+mj-lt"/>
+            </a:endParaRPr>
           </a:p>
           <a:p>
             <a:pPr marL="457200" indent="-457200">
